--- a/2022/June_Mentor/Group-Discussion/August/18-08-22/2CSS.pptx
+++ b/2022/June_Mentor/Group-Discussion/August/18-08-22/2CSS.pptx
@@ -9,12 +9,6 @@
     <p:sldId id="407" r:id="rId3"/>
     <p:sldId id="408" r:id="rId4"/>
     <p:sldId id="409" r:id="rId5"/>
-    <p:sldId id="413" r:id="rId6"/>
-    <p:sldId id="414" r:id="rId7"/>
-    <p:sldId id="415" r:id="rId8"/>
-    <p:sldId id="416" r:id="rId9"/>
-    <p:sldId id="417" r:id="rId10"/>
-    <p:sldId id="406" r:id="rId11"/>
   </p:sldIdLst>
   <p:sldSz cx="12192000" cy="6858000"/>
   <p:notesSz cx="6858000" cy="9144000"/>
@@ -115,7 +109,7 @@
   </p:defaultTextStyle>
   <p:extLst>
     <p:ext uri="{EFAFB233-063F-42B5-8137-9DF3F51BA10A}">
-      <p15:sldGuideLst xmlns:p15="http://schemas.microsoft.com/office/powerpoint/2012/main" xmlns="">
+      <p15:sldGuideLst xmlns="" xmlns:p15="http://schemas.microsoft.com/office/powerpoint/2012/main">
         <p15:guide id="1" orient="horz" pos="2160">
           <p15:clr>
             <a:srgbClr val="A4A3A4"/>
@@ -264,7 +258,7 @@
             <a:fld id="{7FCC5AE5-E495-4913-B643-A95A6AFABB00}" type="datetimeFigureOut">
               <a:rPr kumimoji="1" lang="ja-JP" altLang="en-US" smtClean="0"/>
               <a:pPr/>
-              <a:t>2022/8/17</a:t>
+              <a:t>2022/8/18</a:t>
             </a:fld>
             <a:endParaRPr kumimoji="1" lang="ja-JP" altLang="en-US"/>
           </a:p>
@@ -316,7 +310,7 @@
     </p:spTree>
     <p:extLst>
       <p:ext uri="{BB962C8B-B14F-4D97-AF65-F5344CB8AC3E}">
-        <p14:creationId xmlns:p14="http://schemas.microsoft.com/office/powerpoint/2010/main" xmlns="" val="3096064434"/>
+        <p14:creationId xmlns="" xmlns:p14="http://schemas.microsoft.com/office/powerpoint/2010/main" val="3096064434"/>
       </p:ext>
     </p:extLst>
   </p:cSld>
@@ -436,7 +430,7 @@
             <a:fld id="{7FCC5AE5-E495-4913-B643-A95A6AFABB00}" type="datetimeFigureOut">
               <a:rPr kumimoji="1" lang="ja-JP" altLang="en-US" smtClean="0"/>
               <a:pPr/>
-              <a:t>2022/8/17</a:t>
+              <a:t>2022/8/18</a:t>
             </a:fld>
             <a:endParaRPr kumimoji="1" lang="ja-JP" altLang="en-US"/>
           </a:p>
@@ -488,7 +482,7 @@
     </p:spTree>
     <p:extLst>
       <p:ext uri="{BB962C8B-B14F-4D97-AF65-F5344CB8AC3E}">
-        <p14:creationId xmlns:p14="http://schemas.microsoft.com/office/powerpoint/2010/main" xmlns="" val="71407721"/>
+        <p14:creationId xmlns="" xmlns:p14="http://schemas.microsoft.com/office/powerpoint/2010/main" val="71407721"/>
       </p:ext>
     </p:extLst>
   </p:cSld>
@@ -618,7 +612,7 @@
             <a:fld id="{7FCC5AE5-E495-4913-B643-A95A6AFABB00}" type="datetimeFigureOut">
               <a:rPr kumimoji="1" lang="ja-JP" altLang="en-US" smtClean="0"/>
               <a:pPr/>
-              <a:t>2022/8/17</a:t>
+              <a:t>2022/8/18</a:t>
             </a:fld>
             <a:endParaRPr kumimoji="1" lang="ja-JP" altLang="en-US"/>
           </a:p>
@@ -670,7 +664,7 @@
     </p:spTree>
     <p:extLst>
       <p:ext uri="{BB962C8B-B14F-4D97-AF65-F5344CB8AC3E}">
-        <p14:creationId xmlns:p14="http://schemas.microsoft.com/office/powerpoint/2010/main" xmlns="" val="3852493858"/>
+        <p14:creationId xmlns="" xmlns:p14="http://schemas.microsoft.com/office/powerpoint/2010/main" val="3852493858"/>
       </p:ext>
     </p:extLst>
   </p:cSld>
@@ -790,7 +784,7 @@
             <a:fld id="{7FCC5AE5-E495-4913-B643-A95A6AFABB00}" type="datetimeFigureOut">
               <a:rPr kumimoji="1" lang="ja-JP" altLang="en-US" smtClean="0"/>
               <a:pPr/>
-              <a:t>2022/8/17</a:t>
+              <a:t>2022/8/18</a:t>
             </a:fld>
             <a:endParaRPr kumimoji="1" lang="ja-JP" altLang="en-US"/>
           </a:p>
@@ -842,7 +836,7 @@
     </p:spTree>
     <p:extLst>
       <p:ext uri="{BB962C8B-B14F-4D97-AF65-F5344CB8AC3E}">
-        <p14:creationId xmlns:p14="http://schemas.microsoft.com/office/powerpoint/2010/main" xmlns="" val="282795843"/>
+        <p14:creationId xmlns="" xmlns:p14="http://schemas.microsoft.com/office/powerpoint/2010/main" val="282795843"/>
       </p:ext>
     </p:extLst>
   </p:cSld>
@@ -1038,7 +1032,7 @@
             <a:fld id="{7FCC5AE5-E495-4913-B643-A95A6AFABB00}" type="datetimeFigureOut">
               <a:rPr kumimoji="1" lang="ja-JP" altLang="en-US" smtClean="0"/>
               <a:pPr/>
-              <a:t>2022/8/17</a:t>
+              <a:t>2022/8/18</a:t>
             </a:fld>
             <a:endParaRPr kumimoji="1" lang="ja-JP" altLang="en-US"/>
           </a:p>
@@ -1090,7 +1084,7 @@
     </p:spTree>
     <p:extLst>
       <p:ext uri="{BB962C8B-B14F-4D97-AF65-F5344CB8AC3E}">
-        <p14:creationId xmlns:p14="http://schemas.microsoft.com/office/powerpoint/2010/main" xmlns="" val="1315004973"/>
+        <p14:creationId xmlns="" xmlns:p14="http://schemas.microsoft.com/office/powerpoint/2010/main" val="1315004973"/>
       </p:ext>
     </p:extLst>
   </p:cSld>
@@ -1272,7 +1266,7 @@
             <a:fld id="{7FCC5AE5-E495-4913-B643-A95A6AFABB00}" type="datetimeFigureOut">
               <a:rPr kumimoji="1" lang="ja-JP" altLang="en-US" smtClean="0"/>
               <a:pPr/>
-              <a:t>2022/8/17</a:t>
+              <a:t>2022/8/18</a:t>
             </a:fld>
             <a:endParaRPr kumimoji="1" lang="ja-JP" altLang="en-US"/>
           </a:p>
@@ -1324,7 +1318,7 @@
     </p:spTree>
     <p:extLst>
       <p:ext uri="{BB962C8B-B14F-4D97-AF65-F5344CB8AC3E}">
-        <p14:creationId xmlns:p14="http://schemas.microsoft.com/office/powerpoint/2010/main" xmlns="" val="3048296005"/>
+        <p14:creationId xmlns="" xmlns:p14="http://schemas.microsoft.com/office/powerpoint/2010/main" val="3048296005"/>
       </p:ext>
     </p:extLst>
   </p:cSld>
@@ -1641,7 +1635,7 @@
             <a:fld id="{7FCC5AE5-E495-4913-B643-A95A6AFABB00}" type="datetimeFigureOut">
               <a:rPr kumimoji="1" lang="ja-JP" altLang="en-US" smtClean="0"/>
               <a:pPr/>
-              <a:t>2022/8/17</a:t>
+              <a:t>2022/8/18</a:t>
             </a:fld>
             <a:endParaRPr kumimoji="1" lang="ja-JP" altLang="en-US"/>
           </a:p>
@@ -1693,7 +1687,7 @@
     </p:spTree>
     <p:extLst>
       <p:ext uri="{BB962C8B-B14F-4D97-AF65-F5344CB8AC3E}">
-        <p14:creationId xmlns:p14="http://schemas.microsoft.com/office/powerpoint/2010/main" xmlns="" val="890299385"/>
+        <p14:creationId xmlns="" xmlns:p14="http://schemas.microsoft.com/office/powerpoint/2010/main" val="890299385"/>
       </p:ext>
     </p:extLst>
   </p:cSld>
@@ -1761,7 +1755,7 @@
             <a:fld id="{7FCC5AE5-E495-4913-B643-A95A6AFABB00}" type="datetimeFigureOut">
               <a:rPr kumimoji="1" lang="ja-JP" altLang="en-US" smtClean="0"/>
               <a:pPr/>
-              <a:t>2022/8/17</a:t>
+              <a:t>2022/8/18</a:t>
             </a:fld>
             <a:endParaRPr kumimoji="1" lang="ja-JP" altLang="en-US"/>
           </a:p>
@@ -1813,7 +1807,7 @@
     </p:spTree>
     <p:extLst>
       <p:ext uri="{BB962C8B-B14F-4D97-AF65-F5344CB8AC3E}">
-        <p14:creationId xmlns:p14="http://schemas.microsoft.com/office/powerpoint/2010/main" xmlns="" val="2049573599"/>
+        <p14:creationId xmlns="" xmlns:p14="http://schemas.microsoft.com/office/powerpoint/2010/main" val="2049573599"/>
       </p:ext>
     </p:extLst>
   </p:cSld>
@@ -1858,7 +1852,7 @@
             <a:fld id="{7FCC5AE5-E495-4913-B643-A95A6AFABB00}" type="datetimeFigureOut">
               <a:rPr kumimoji="1" lang="ja-JP" altLang="en-US" smtClean="0"/>
               <a:pPr/>
-              <a:t>2022/8/17</a:t>
+              <a:t>2022/8/18</a:t>
             </a:fld>
             <a:endParaRPr kumimoji="1" lang="ja-JP" altLang="en-US"/>
           </a:p>
@@ -1910,7 +1904,7 @@
     </p:spTree>
     <p:extLst>
       <p:ext uri="{BB962C8B-B14F-4D97-AF65-F5344CB8AC3E}">
-        <p14:creationId xmlns:p14="http://schemas.microsoft.com/office/powerpoint/2010/main" xmlns="" val="1896888541"/>
+        <p14:creationId xmlns="" xmlns:p14="http://schemas.microsoft.com/office/powerpoint/2010/main" val="1896888541"/>
       </p:ext>
     </p:extLst>
   </p:cSld>
@@ -2137,7 +2131,7 @@
             <a:fld id="{7FCC5AE5-E495-4913-B643-A95A6AFABB00}" type="datetimeFigureOut">
               <a:rPr kumimoji="1" lang="ja-JP" altLang="en-US" smtClean="0"/>
               <a:pPr/>
-              <a:t>2022/8/17</a:t>
+              <a:t>2022/8/18</a:t>
             </a:fld>
             <a:endParaRPr kumimoji="1" lang="ja-JP" altLang="en-US"/>
           </a:p>
@@ -2189,7 +2183,7 @@
     </p:spTree>
     <p:extLst>
       <p:ext uri="{BB962C8B-B14F-4D97-AF65-F5344CB8AC3E}">
-        <p14:creationId xmlns:p14="http://schemas.microsoft.com/office/powerpoint/2010/main" xmlns="" val="1581260034"/>
+        <p14:creationId xmlns="" xmlns:p14="http://schemas.microsoft.com/office/powerpoint/2010/main" val="1581260034"/>
       </p:ext>
     </p:extLst>
   </p:cSld>
@@ -2396,7 +2390,7 @@
             <a:fld id="{7FCC5AE5-E495-4913-B643-A95A6AFABB00}" type="datetimeFigureOut">
               <a:rPr kumimoji="1" lang="ja-JP" altLang="en-US" smtClean="0"/>
               <a:pPr/>
-              <a:t>2022/8/17</a:t>
+              <a:t>2022/8/18</a:t>
             </a:fld>
             <a:endParaRPr kumimoji="1" lang="ja-JP" altLang="en-US"/>
           </a:p>
@@ -2448,7 +2442,7 @@
     </p:spTree>
     <p:extLst>
       <p:ext uri="{BB962C8B-B14F-4D97-AF65-F5344CB8AC3E}">
-        <p14:creationId xmlns:p14="http://schemas.microsoft.com/office/powerpoint/2010/main" xmlns="" val="2397771766"/>
+        <p14:creationId xmlns="" xmlns:p14="http://schemas.microsoft.com/office/powerpoint/2010/main" val="2397771766"/>
       </p:ext>
     </p:extLst>
   </p:cSld>
@@ -2611,7 +2605,7 @@
             <a:fld id="{7FCC5AE5-E495-4913-B643-A95A6AFABB00}" type="datetimeFigureOut">
               <a:rPr kumimoji="1" lang="ja-JP" altLang="en-US" smtClean="0"/>
               <a:pPr/>
-              <a:t>2022/8/17</a:t>
+              <a:t>2022/8/18</a:t>
             </a:fld>
             <a:endParaRPr kumimoji="1" lang="ja-JP" altLang="en-US"/>
           </a:p>
@@ -2701,7 +2695,7 @@
           <p:cNvPr id="7" name="TextBox 6">
             <a:extLst>
               <a:ext uri="{FF2B5EF4-FFF2-40B4-BE49-F238E27FC236}">
-                <a16:creationId xmlns:a16="http://schemas.microsoft.com/office/drawing/2014/main" xmlns="" id="{847969B0-9AAB-4EBF-AF99-17A470D83F03}"/>
+                <a16:creationId xmlns="" xmlns:a16="http://schemas.microsoft.com/office/drawing/2014/main" id="{847969B0-9AAB-4EBF-AF99-17A470D83F03}"/>
               </a:ext>
             </a:extLst>
           </p:cNvPr>
@@ -2748,7 +2742,7 @@
     </p:spTree>
     <p:extLst>
       <p:ext uri="{BB962C8B-B14F-4D97-AF65-F5344CB8AC3E}">
-        <p14:creationId xmlns:p14="http://schemas.microsoft.com/office/powerpoint/2010/main" xmlns="" val="492407304"/>
+        <p14:creationId xmlns="" xmlns:p14="http://schemas.microsoft.com/office/powerpoint/2010/main" val="492407304"/>
       </p:ext>
     </p:extLst>
   </p:cSld>
@@ -3132,89 +3126,6 @@
 </p:sld>
 </file>
 
-<file path=ppt/slides/slide10.xml><?xml version="1.0" encoding="utf-8"?>
-<p:sld xmlns:a="http://schemas.openxmlformats.org/drawingml/2006/main" xmlns:r="http://schemas.openxmlformats.org/officeDocument/2006/relationships" xmlns:p="http://schemas.openxmlformats.org/presentationml/2006/main">
-  <p:cSld>
-    <p:spTree>
-      <p:nvGrpSpPr>
-        <p:cNvPr id="1" name=""/>
-        <p:cNvGrpSpPr/>
-        <p:nvPr/>
-      </p:nvGrpSpPr>
-      <p:grpSpPr>
-        <a:xfrm>
-          <a:off x="0" y="0"/>
-          <a:ext cx="0" cy="0"/>
-          <a:chOff x="0" y="0"/>
-          <a:chExt cx="0" cy="0"/>
-        </a:xfrm>
-      </p:grpSpPr>
-      <p:sp>
-        <p:nvSpPr>
-          <p:cNvPr id="2" name="Title 1"/>
-          <p:cNvSpPr>
-            <a:spLocks noGrp="1"/>
-          </p:cNvSpPr>
-          <p:nvPr>
-            <p:ph type="title"/>
-          </p:nvPr>
-        </p:nvSpPr>
-        <p:spPr/>
-        <p:txBody>
-          <a:bodyPr/>
-          <a:lstStyle/>
-          <a:p>
-            <a:r>
-              <a:rPr lang="en-US" dirty="0" smtClean="0"/>
-              <a:t>Form Design</a:t>
-            </a:r>
-            <a:endParaRPr lang="en-US" dirty="0"/>
-          </a:p>
-        </p:txBody>
-      </p:sp>
-      <p:pic>
-        <p:nvPicPr>
-          <p:cNvPr id="2050" name="Picture 2"/>
-          <p:cNvPicPr>
-            <a:picLocks noGrp="1" noChangeAspect="1" noChangeArrowheads="1"/>
-          </p:cNvPicPr>
-          <p:nvPr>
-            <p:ph idx="1"/>
-          </p:nvPr>
-        </p:nvPicPr>
-        <p:blipFill>
-          <a:blip r:embed="rId2"/>
-          <a:srcRect/>
-          <a:stretch>
-            <a:fillRect/>
-          </a:stretch>
-        </p:blipFill>
-        <p:spPr bwMode="auto">
-          <a:xfrm>
-            <a:off x="2128837" y="1962944"/>
-            <a:ext cx="7934325" cy="4076700"/>
-          </a:xfrm>
-          <a:prstGeom prst="rect">
-            <a:avLst/>
-          </a:prstGeom>
-          <a:noFill/>
-          <a:ln w="9525">
-            <a:noFill/>
-            <a:miter lim="800000"/>
-            <a:headEnd/>
-            <a:tailEnd/>
-          </a:ln>
-          <a:effectLst/>
-        </p:spPr>
-      </p:pic>
-    </p:spTree>
-  </p:cSld>
-  <p:clrMapOvr>
-    <a:masterClrMapping/>
-  </p:clrMapOvr>
-</p:sld>
-</file>
-
 <file path=ppt/slides/slide2.xml><?xml version="1.0" encoding="utf-8"?>
 <p:sld xmlns:a="http://schemas.openxmlformats.org/drawingml/2006/main" xmlns:r="http://schemas.openxmlformats.org/officeDocument/2006/relationships" xmlns:p="http://schemas.openxmlformats.org/presentationml/2006/main">
   <p:cSld>
@@ -3508,438 +3419,6 @@
           <a:xfrm>
             <a:off x="6494930" y="2508989"/>
             <a:ext cx="5217459" cy="2276475"/>
-          </a:xfrm>
-          <a:prstGeom prst="rect">
-            <a:avLst/>
-          </a:prstGeom>
-          <a:noFill/>
-          <a:ln w="9525">
-            <a:noFill/>
-            <a:miter lim="800000"/>
-            <a:headEnd/>
-            <a:tailEnd/>
-          </a:ln>
-          <a:effectLst/>
-        </p:spPr>
-      </p:pic>
-    </p:spTree>
-  </p:cSld>
-  <p:clrMapOvr>
-    <a:masterClrMapping/>
-  </p:clrMapOvr>
-</p:sld>
-</file>
-
-<file path=ppt/slides/slide5.xml><?xml version="1.0" encoding="utf-8"?>
-<p:sld xmlns:a="http://schemas.openxmlformats.org/drawingml/2006/main" xmlns:r="http://schemas.openxmlformats.org/officeDocument/2006/relationships" xmlns:p="http://schemas.openxmlformats.org/presentationml/2006/main">
-  <p:cSld>
-    <p:spTree>
-      <p:nvGrpSpPr>
-        <p:cNvPr id="1" name=""/>
-        <p:cNvGrpSpPr/>
-        <p:nvPr/>
-      </p:nvGrpSpPr>
-      <p:grpSpPr>
-        <a:xfrm>
-          <a:off x="0" y="0"/>
-          <a:ext cx="0" cy="0"/>
-          <a:chOff x="0" y="0"/>
-          <a:chExt cx="0" cy="0"/>
-        </a:xfrm>
-      </p:grpSpPr>
-      <p:sp>
-        <p:nvSpPr>
-          <p:cNvPr id="2" name="Title 1"/>
-          <p:cNvSpPr>
-            <a:spLocks noGrp="1"/>
-          </p:cNvSpPr>
-          <p:nvPr>
-            <p:ph type="title"/>
-          </p:nvPr>
-        </p:nvSpPr>
-        <p:spPr/>
-        <p:txBody>
-          <a:bodyPr/>
-          <a:lstStyle/>
-          <a:p>
-            <a:r>
-              <a:rPr lang="en-US" dirty="0" smtClean="0"/>
-              <a:t>Grid layout 1</a:t>
-            </a:r>
-            <a:endParaRPr lang="en-US" dirty="0"/>
-          </a:p>
-        </p:txBody>
-      </p:sp>
-      <p:pic>
-        <p:nvPicPr>
-          <p:cNvPr id="1026" name="Picture 2"/>
-          <p:cNvPicPr>
-            <a:picLocks noGrp="1" noChangeAspect="1" noChangeArrowheads="1"/>
-          </p:cNvPicPr>
-          <p:nvPr>
-            <p:ph idx="1"/>
-          </p:nvPr>
-        </p:nvPicPr>
-        <p:blipFill>
-          <a:blip r:embed="rId2"/>
-          <a:srcRect/>
-          <a:stretch>
-            <a:fillRect/>
-          </a:stretch>
-        </p:blipFill>
-        <p:spPr bwMode="auto">
-          <a:xfrm>
-            <a:off x="745959" y="1773373"/>
-            <a:ext cx="4439995" cy="4351338"/>
-          </a:xfrm>
-          <a:prstGeom prst="rect">
-            <a:avLst/>
-          </a:prstGeom>
-          <a:noFill/>
-          <a:ln w="9525">
-            <a:noFill/>
-            <a:miter lim="800000"/>
-            <a:headEnd/>
-            <a:tailEnd/>
-          </a:ln>
-          <a:effectLst/>
-        </p:spPr>
-      </p:pic>
-    </p:spTree>
-  </p:cSld>
-  <p:clrMapOvr>
-    <a:masterClrMapping/>
-  </p:clrMapOvr>
-</p:sld>
-</file>
-
-<file path=ppt/slides/slide6.xml><?xml version="1.0" encoding="utf-8"?>
-<p:sld xmlns:a="http://schemas.openxmlformats.org/drawingml/2006/main" xmlns:r="http://schemas.openxmlformats.org/officeDocument/2006/relationships" xmlns:p="http://schemas.openxmlformats.org/presentationml/2006/main">
-  <p:cSld>
-    <p:spTree>
-      <p:nvGrpSpPr>
-        <p:cNvPr id="1" name=""/>
-        <p:cNvGrpSpPr/>
-        <p:nvPr/>
-      </p:nvGrpSpPr>
-      <p:grpSpPr>
-        <a:xfrm>
-          <a:off x="0" y="0"/>
-          <a:ext cx="0" cy="0"/>
-          <a:chOff x="0" y="0"/>
-          <a:chExt cx="0" cy="0"/>
-        </a:xfrm>
-      </p:grpSpPr>
-      <p:sp>
-        <p:nvSpPr>
-          <p:cNvPr id="2" name="Title 1"/>
-          <p:cNvSpPr>
-            <a:spLocks noGrp="1"/>
-          </p:cNvSpPr>
-          <p:nvPr>
-            <p:ph type="title"/>
-          </p:nvPr>
-        </p:nvSpPr>
-        <p:spPr/>
-        <p:txBody>
-          <a:bodyPr/>
-          <a:lstStyle/>
-          <a:p>
-            <a:r>
-              <a:rPr lang="en-US" dirty="0" smtClean="0"/>
-              <a:t>Output</a:t>
-            </a:r>
-            <a:endParaRPr lang="en-US" dirty="0"/>
-          </a:p>
-        </p:txBody>
-      </p:sp>
-      <p:sp>
-        <p:nvSpPr>
-          <p:cNvPr id="4" name="Content Placeholder 3"/>
-          <p:cNvSpPr>
-            <a:spLocks noGrp="1"/>
-          </p:cNvSpPr>
-          <p:nvPr>
-            <p:ph idx="1"/>
-          </p:nvPr>
-        </p:nvSpPr>
-        <p:spPr/>
-        <p:txBody>
-          <a:bodyPr/>
-          <a:lstStyle/>
-          <a:p>
-            <a:endParaRPr lang="en-US"/>
-          </a:p>
-        </p:txBody>
-      </p:sp>
-      <p:pic>
-        <p:nvPicPr>
-          <p:cNvPr id="5" name="Picture 3"/>
-          <p:cNvPicPr>
-            <a:picLocks noChangeAspect="1" noChangeArrowheads="1"/>
-          </p:cNvPicPr>
-          <p:nvPr/>
-        </p:nvPicPr>
-        <p:blipFill>
-          <a:blip r:embed="rId2"/>
-          <a:srcRect/>
-          <a:stretch>
-            <a:fillRect/>
-          </a:stretch>
-        </p:blipFill>
-        <p:spPr bwMode="auto">
-          <a:xfrm>
-            <a:off x="613001" y="1315538"/>
-            <a:ext cx="10803936" cy="5019948"/>
-          </a:xfrm>
-          <a:prstGeom prst="rect">
-            <a:avLst/>
-          </a:prstGeom>
-          <a:noFill/>
-          <a:ln w="9525">
-            <a:noFill/>
-            <a:miter lim="800000"/>
-            <a:headEnd/>
-            <a:tailEnd/>
-          </a:ln>
-          <a:effectLst/>
-        </p:spPr>
-      </p:pic>
-    </p:spTree>
-  </p:cSld>
-  <p:clrMapOvr>
-    <a:masterClrMapping/>
-  </p:clrMapOvr>
-</p:sld>
-</file>
-
-<file path=ppt/slides/slide7.xml><?xml version="1.0" encoding="utf-8"?>
-<p:sld xmlns:a="http://schemas.openxmlformats.org/drawingml/2006/main" xmlns:r="http://schemas.openxmlformats.org/officeDocument/2006/relationships" xmlns:p="http://schemas.openxmlformats.org/presentationml/2006/main">
-  <p:cSld>
-    <p:spTree>
-      <p:nvGrpSpPr>
-        <p:cNvPr id="1" name=""/>
-        <p:cNvGrpSpPr/>
-        <p:nvPr/>
-      </p:nvGrpSpPr>
-      <p:grpSpPr>
-        <a:xfrm>
-          <a:off x="0" y="0"/>
-          <a:ext cx="0" cy="0"/>
-          <a:chOff x="0" y="0"/>
-          <a:chExt cx="0" cy="0"/>
-        </a:xfrm>
-      </p:grpSpPr>
-      <p:sp>
-        <p:nvSpPr>
-          <p:cNvPr id="2" name="Title 1"/>
-          <p:cNvSpPr>
-            <a:spLocks noGrp="1"/>
-          </p:cNvSpPr>
-          <p:nvPr>
-            <p:ph type="title"/>
-          </p:nvPr>
-        </p:nvSpPr>
-        <p:spPr/>
-        <p:txBody>
-          <a:bodyPr/>
-          <a:lstStyle/>
-          <a:p>
-            <a:r>
-              <a:rPr lang="en-US" dirty="0" smtClean="0"/>
-              <a:t>Grid Layout 2</a:t>
-            </a:r>
-            <a:endParaRPr lang="en-US" dirty="0"/>
-          </a:p>
-        </p:txBody>
-      </p:sp>
-      <p:pic>
-        <p:nvPicPr>
-          <p:cNvPr id="2050" name="Picture 2"/>
-          <p:cNvPicPr>
-            <a:picLocks noGrp="1" noChangeAspect="1" noChangeArrowheads="1"/>
-          </p:cNvPicPr>
-          <p:nvPr>
-            <p:ph idx="1"/>
-          </p:nvPr>
-        </p:nvPicPr>
-        <p:blipFill>
-          <a:blip r:embed="rId2"/>
-          <a:srcRect/>
-          <a:stretch>
-            <a:fillRect/>
-          </a:stretch>
-        </p:blipFill>
-        <p:spPr bwMode="auto">
-          <a:xfrm>
-            <a:off x="925216" y="1708060"/>
-            <a:ext cx="6220165" cy="4351338"/>
-          </a:xfrm>
-          <a:prstGeom prst="rect">
-            <a:avLst/>
-          </a:prstGeom>
-          <a:noFill/>
-          <a:ln w="9525">
-            <a:noFill/>
-            <a:miter lim="800000"/>
-            <a:headEnd/>
-            <a:tailEnd/>
-          </a:ln>
-          <a:effectLst/>
-        </p:spPr>
-      </p:pic>
-    </p:spTree>
-  </p:cSld>
-  <p:clrMapOvr>
-    <a:masterClrMapping/>
-  </p:clrMapOvr>
-</p:sld>
-</file>
-
-<file path=ppt/slides/slide8.xml><?xml version="1.0" encoding="utf-8"?>
-<p:sld xmlns:a="http://schemas.openxmlformats.org/drawingml/2006/main" xmlns:r="http://schemas.openxmlformats.org/officeDocument/2006/relationships" xmlns:p="http://schemas.openxmlformats.org/presentationml/2006/main">
-  <p:cSld>
-    <p:spTree>
-      <p:nvGrpSpPr>
-        <p:cNvPr id="1" name=""/>
-        <p:cNvGrpSpPr/>
-        <p:nvPr/>
-      </p:nvGrpSpPr>
-      <p:grpSpPr>
-        <a:xfrm>
-          <a:off x="0" y="0"/>
-          <a:ext cx="0" cy="0"/>
-          <a:chOff x="0" y="0"/>
-          <a:chExt cx="0" cy="0"/>
-        </a:xfrm>
-      </p:grpSpPr>
-      <p:sp>
-        <p:nvSpPr>
-          <p:cNvPr id="2" name="Title 1"/>
-          <p:cNvSpPr>
-            <a:spLocks noGrp="1"/>
-          </p:cNvSpPr>
-          <p:nvPr>
-            <p:ph type="title"/>
-          </p:nvPr>
-        </p:nvSpPr>
-        <p:spPr/>
-        <p:txBody>
-          <a:bodyPr/>
-          <a:lstStyle/>
-          <a:p>
-            <a:r>
-              <a:rPr lang="en-US" dirty="0" smtClean="0"/>
-              <a:t>Output</a:t>
-            </a:r>
-            <a:endParaRPr lang="en-US" dirty="0"/>
-          </a:p>
-        </p:txBody>
-      </p:sp>
-      <p:pic>
-        <p:nvPicPr>
-          <p:cNvPr id="3074" name="Picture 2"/>
-          <p:cNvPicPr>
-            <a:picLocks noGrp="1" noChangeAspect="1" noChangeArrowheads="1"/>
-          </p:cNvPicPr>
-          <p:nvPr>
-            <p:ph idx="1"/>
-          </p:nvPr>
-        </p:nvPicPr>
-        <p:blipFill>
-          <a:blip r:embed="rId2"/>
-          <a:srcRect/>
-          <a:stretch>
-            <a:fillRect/>
-          </a:stretch>
-        </p:blipFill>
-        <p:spPr bwMode="auto">
-          <a:xfrm>
-            <a:off x="1363213" y="1825625"/>
-            <a:ext cx="9465573" cy="4351338"/>
-          </a:xfrm>
-          <a:prstGeom prst="rect">
-            <a:avLst/>
-          </a:prstGeom>
-          <a:noFill/>
-          <a:ln w="9525">
-            <a:noFill/>
-            <a:miter lim="800000"/>
-            <a:headEnd/>
-            <a:tailEnd/>
-          </a:ln>
-          <a:effectLst/>
-        </p:spPr>
-      </p:pic>
-    </p:spTree>
-  </p:cSld>
-  <p:clrMapOvr>
-    <a:masterClrMapping/>
-  </p:clrMapOvr>
-</p:sld>
-</file>
-
-<file path=ppt/slides/slide9.xml><?xml version="1.0" encoding="utf-8"?>
-<p:sld xmlns:a="http://schemas.openxmlformats.org/drawingml/2006/main" xmlns:r="http://schemas.openxmlformats.org/officeDocument/2006/relationships" xmlns:p="http://schemas.openxmlformats.org/presentationml/2006/main">
-  <p:cSld>
-    <p:spTree>
-      <p:nvGrpSpPr>
-        <p:cNvPr id="1" name=""/>
-        <p:cNvGrpSpPr/>
-        <p:nvPr/>
-      </p:nvGrpSpPr>
-      <p:grpSpPr>
-        <a:xfrm>
-          <a:off x="0" y="0"/>
-          <a:ext cx="0" cy="0"/>
-          <a:chOff x="0" y="0"/>
-          <a:chExt cx="0" cy="0"/>
-        </a:xfrm>
-      </p:grpSpPr>
-      <p:sp>
-        <p:nvSpPr>
-          <p:cNvPr id="2" name="Title 1"/>
-          <p:cNvSpPr>
-            <a:spLocks noGrp="1"/>
-          </p:cNvSpPr>
-          <p:nvPr>
-            <p:ph type="title"/>
-          </p:nvPr>
-        </p:nvSpPr>
-        <p:spPr/>
-        <p:txBody>
-          <a:bodyPr/>
-          <a:lstStyle/>
-          <a:p>
-            <a:r>
-              <a:rPr lang="en-US" dirty="0" err="1" smtClean="0"/>
-              <a:t>Flex+Grid</a:t>
-            </a:r>
-            <a:endParaRPr lang="en-US" dirty="0"/>
-          </a:p>
-        </p:txBody>
-      </p:sp>
-      <p:pic>
-        <p:nvPicPr>
-          <p:cNvPr id="4098" name="Picture 2"/>
-          <p:cNvPicPr>
-            <a:picLocks noGrp="1" noChangeAspect="1" noChangeArrowheads="1"/>
-          </p:cNvPicPr>
-          <p:nvPr>
-            <p:ph idx="1"/>
-          </p:nvPr>
-        </p:nvPicPr>
-        <p:blipFill>
-          <a:blip r:embed="rId2"/>
-          <a:srcRect/>
-          <a:stretch>
-            <a:fillRect/>
-          </a:stretch>
-        </p:blipFill>
-        <p:spPr bwMode="auto">
-          <a:xfrm>
-            <a:off x="1324100" y="1786436"/>
-            <a:ext cx="9360920" cy="4351338"/>
           </a:xfrm>
           <a:prstGeom prst="rect">
             <a:avLst/>
@@ -4217,7 +3696,7 @@
   <a:extraClrSchemeLst/>
   <a:extLst>
     <a:ext uri="{05A4C25C-085E-4340-85A3-A5531E510DB2}">
-      <thm15:themeFamily xmlns:thm15="http://schemas.microsoft.com/office/thememl/2012/main" xmlns="" name="Office Theme" id="{62F939B6-93AF-4DB8-9C6B-D6C7DFDC589F}" vid="{4A3C46E8-61CC-4603-A589-7422A47A8E4A}"/>
+      <thm15:themeFamily xmlns="" xmlns:thm15="http://schemas.microsoft.com/office/thememl/2012/main" name="Office Theme" id="{62F939B6-93AF-4DB8-9C6B-D6C7DFDC589F}" vid="{4A3C46E8-61CC-4603-A589-7422A47A8E4A}"/>
     </a:ext>
   </a:extLst>
 </a:theme>
